--- a/02_SysML/SYSM3_PPT.pptx
+++ b/02_SysML/SYSM3_PPT.pptx
@@ -1330,25 +1330,25 @@
     </dgm:pt>
   </dgm:ptLst>
   <dgm:cxnLst>
+    <dgm:cxn modelId="{7B1EC99E-D447-4764-BDA1-5A0EC0584A94}" srcId="{6D834B33-DC96-405A-B8F3-DA2626D56FDB}" destId="{84DFA544-329E-478B-AEB3-0757FD457D41}" srcOrd="0" destOrd="0" parTransId="{54A2A0BE-FE4C-4199-B9EA-1932BFD2EE6B}" sibTransId="{0CC8B46B-DD30-4B88-ACE7-250D4DB5CC81}"/>
+    <dgm:cxn modelId="{5E9BF7D3-22E8-46EA-844A-18540B63C33E}" srcId="{05245D48-FDAF-435E-B26F-E3D01CDF74A9}" destId="{1120875B-867A-45BE-BAE5-95DE12EBDF61}" srcOrd="1" destOrd="0" parTransId="{5EC9A4B2-B7BD-4B23-AC57-DB617E1501B6}" sibTransId="{1A697D8A-6225-4472-8F87-B1ECC0EB5732}"/>
+    <dgm:cxn modelId="{04E9D8BE-8592-497E-84DC-A286A4ED7DB4}" srcId="{05245D48-FDAF-435E-B26F-E3D01CDF74A9}" destId="{03E9043A-9FAE-4CDF-B03D-13648DC139F4}" srcOrd="2" destOrd="0" parTransId="{1C33423F-E0C2-44A7-AEFD-0C231CE19FF2}" sibTransId="{9C6A45AA-84E3-4325-A6BB-D863D12C4BC2}"/>
+    <dgm:cxn modelId="{EB2A6A0A-1424-41CD-B6C3-D0DE637AF5A6}" srcId="{6D555C1C-494F-4713-BC11-4EA702001B18}" destId="{9047AD56-A1CD-4E66-BC63-D8271B564025}" srcOrd="0" destOrd="0" parTransId="{58B494CE-F583-4142-B5BD-717CE4607200}" sibTransId="{735F9229-9569-440F-BDC3-81613EA69DF7}"/>
+    <dgm:cxn modelId="{518D27D6-4B31-456D-80F4-09628A8CE47D}" type="presOf" srcId="{6D555C1C-494F-4713-BC11-4EA702001B18}" destId="{8A8694A4-C938-440D-8949-7C88D82A13D9}" srcOrd="0" destOrd="0" presId="urn:microsoft.com/office/officeart/2005/8/layout/chevron2"/>
+    <dgm:cxn modelId="{683CCBC6-3016-4D12-827C-8A309297C9C6}" type="presOf" srcId="{55BA3AAB-2F3B-4369-B6DD-AB3D50FE3A66}" destId="{14C29D0A-6B7B-4834-98F5-44C6CB803A03}" srcOrd="0" destOrd="1" presId="urn:microsoft.com/office/officeart/2005/8/layout/chevron2"/>
+    <dgm:cxn modelId="{9839059B-6134-4ACF-B852-92207B11CF13}" srcId="{05245D48-FDAF-435E-B26F-E3D01CDF74A9}" destId="{8AF16C4B-D429-4B19-A271-1FA10E65B38E}" srcOrd="0" destOrd="0" parTransId="{53090781-75F4-49D5-80D7-0729E9606009}" sibTransId="{B65B2F0B-E3F7-4E4E-9B10-E6CAACC93516}"/>
+    <dgm:cxn modelId="{8D182CA9-F7B2-4E41-826F-FBBA3D41DAA8}" srcId="{03E9043A-9FAE-4CDF-B03D-13648DC139F4}" destId="{874DCD6E-2E62-4EA6-9160-808383CABE3A}" srcOrd="0" destOrd="0" parTransId="{4DF3F061-411B-48A7-ACDE-DC19213843E3}" sibTransId="{4FD7EA6D-4AEC-4BCE-A8E2-CC3D730EE943}"/>
+    <dgm:cxn modelId="{6699B2F9-DFB3-4241-B188-BA28FDDACC04}" type="presOf" srcId="{874DCD6E-2E62-4EA6-9160-808383CABE3A}" destId="{14C29D0A-6B7B-4834-98F5-44C6CB803A03}" srcOrd="0" destOrd="0" presId="urn:microsoft.com/office/officeart/2005/8/layout/chevron2"/>
+    <dgm:cxn modelId="{CD5DE8FA-D526-4495-8E32-A6A91046288C}" srcId="{874DCD6E-2E62-4EA6-9160-808383CABE3A}" destId="{55BA3AAB-2F3B-4369-B6DD-AB3D50FE3A66}" srcOrd="0" destOrd="0" parTransId="{D6FEE137-DB1D-46EB-A072-2BD57D9F96C5}" sibTransId="{78CAA6C3-7E1D-4CD0-AB89-1138ED109971}"/>
+    <dgm:cxn modelId="{DFF5706D-FFF9-45F2-A0A0-D07C5BBE4768}" type="presOf" srcId="{6D834B33-DC96-405A-B8F3-DA2626D56FDB}" destId="{B5E29B27-F7BB-44EC-B223-B3DC75A419E0}" srcOrd="0" destOrd="0" presId="urn:microsoft.com/office/officeart/2005/8/layout/chevron2"/>
     <dgm:cxn modelId="{45278ACA-6939-4349-A923-183DCB1072CD}" type="presOf" srcId="{84DFA544-329E-478B-AEB3-0757FD457D41}" destId="{B5E29B27-F7BB-44EC-B223-B3DC75A419E0}" srcOrd="0" destOrd="1" presId="urn:microsoft.com/office/officeart/2005/8/layout/chevron2"/>
+    <dgm:cxn modelId="{733BC173-9083-4F2E-9736-97DB6D782499}" type="presOf" srcId="{9047AD56-A1CD-4E66-BC63-D8271B564025}" destId="{8A8694A4-C938-440D-8949-7C88D82A13D9}" srcOrd="0" destOrd="1" presId="urn:microsoft.com/office/officeart/2005/8/layout/chevron2"/>
+    <dgm:cxn modelId="{A476FF1C-2277-4258-A2B1-FA4AA4D0B1E7}" srcId="{8AF16C4B-D429-4B19-A271-1FA10E65B38E}" destId="{6D555C1C-494F-4713-BC11-4EA702001B18}" srcOrd="0" destOrd="0" parTransId="{D0BAA8CE-8199-4201-A4BD-E877760155F2}" sibTransId="{0FE560C0-BB8C-4EB9-B9E3-F46466B5982B}"/>
+    <dgm:cxn modelId="{9DD3123A-D1ED-46FE-8041-31246B5D5C68}" type="presOf" srcId="{8AF16C4B-D429-4B19-A271-1FA10E65B38E}" destId="{A0A67F82-0E16-4514-AB4B-7709D60AFDCE}" srcOrd="0" destOrd="0" presId="urn:microsoft.com/office/officeart/2005/8/layout/chevron2"/>
+    <dgm:cxn modelId="{5D000814-5D16-4A09-AEA7-E4EFBF258632}" srcId="{1120875B-867A-45BE-BAE5-95DE12EBDF61}" destId="{6D834B33-DC96-405A-B8F3-DA2626D56FDB}" srcOrd="0" destOrd="0" parTransId="{1ABA45D2-70D4-4A4A-87AF-DCE73AE3B990}" sibTransId="{97389E0A-2889-4E43-B9F0-F88CB2CC1301}"/>
     <dgm:cxn modelId="{1709C51F-74DF-4345-88A0-8A0521C25B83}" type="presOf" srcId="{1120875B-867A-45BE-BAE5-95DE12EBDF61}" destId="{76766697-4E4B-4960-A736-4BDA8DF4C821}" srcOrd="0" destOrd="0" presId="urn:microsoft.com/office/officeart/2005/8/layout/chevron2"/>
     <dgm:cxn modelId="{158A39A6-8454-42C4-B7CE-AFDEF1BDAC43}" type="presOf" srcId="{05245D48-FDAF-435E-B26F-E3D01CDF74A9}" destId="{B6D09B39-FDFB-446F-8A40-79EA63E3F3B5}" srcOrd="0" destOrd="0" presId="urn:microsoft.com/office/officeart/2005/8/layout/chevron2"/>
-    <dgm:cxn modelId="{518D27D6-4B31-456D-80F4-09628A8CE47D}" type="presOf" srcId="{6D555C1C-494F-4713-BC11-4EA702001B18}" destId="{8A8694A4-C938-440D-8949-7C88D82A13D9}" srcOrd="0" destOrd="0" presId="urn:microsoft.com/office/officeart/2005/8/layout/chevron2"/>
-    <dgm:cxn modelId="{7B1EC99E-D447-4764-BDA1-5A0EC0584A94}" srcId="{6D834B33-DC96-405A-B8F3-DA2626D56FDB}" destId="{84DFA544-329E-478B-AEB3-0757FD457D41}" srcOrd="0" destOrd="0" parTransId="{54A2A0BE-FE4C-4199-B9EA-1932BFD2EE6B}" sibTransId="{0CC8B46B-DD30-4B88-ACE7-250D4DB5CC81}"/>
-    <dgm:cxn modelId="{A476FF1C-2277-4258-A2B1-FA4AA4D0B1E7}" srcId="{8AF16C4B-D429-4B19-A271-1FA10E65B38E}" destId="{6D555C1C-494F-4713-BC11-4EA702001B18}" srcOrd="0" destOrd="0" parTransId="{D0BAA8CE-8199-4201-A4BD-E877760155F2}" sibTransId="{0FE560C0-BB8C-4EB9-B9E3-F46466B5982B}"/>
-    <dgm:cxn modelId="{04E9D8BE-8592-497E-84DC-A286A4ED7DB4}" srcId="{05245D48-FDAF-435E-B26F-E3D01CDF74A9}" destId="{03E9043A-9FAE-4CDF-B03D-13648DC139F4}" srcOrd="2" destOrd="0" parTransId="{1C33423F-E0C2-44A7-AEFD-0C231CE19FF2}" sibTransId="{9C6A45AA-84E3-4325-A6BB-D863D12C4BC2}"/>
-    <dgm:cxn modelId="{5E9BF7D3-22E8-46EA-844A-18540B63C33E}" srcId="{05245D48-FDAF-435E-B26F-E3D01CDF74A9}" destId="{1120875B-867A-45BE-BAE5-95DE12EBDF61}" srcOrd="1" destOrd="0" parTransId="{5EC9A4B2-B7BD-4B23-AC57-DB617E1501B6}" sibTransId="{1A697D8A-6225-4472-8F87-B1ECC0EB5732}"/>
-    <dgm:cxn modelId="{683CCBC6-3016-4D12-827C-8A309297C9C6}" type="presOf" srcId="{55BA3AAB-2F3B-4369-B6DD-AB3D50FE3A66}" destId="{14C29D0A-6B7B-4834-98F5-44C6CB803A03}" srcOrd="0" destOrd="1" presId="urn:microsoft.com/office/officeart/2005/8/layout/chevron2"/>
-    <dgm:cxn modelId="{9839059B-6134-4ACF-B852-92207B11CF13}" srcId="{05245D48-FDAF-435E-B26F-E3D01CDF74A9}" destId="{8AF16C4B-D429-4B19-A271-1FA10E65B38E}" srcOrd="0" destOrd="0" parTransId="{53090781-75F4-49D5-80D7-0729E9606009}" sibTransId="{B65B2F0B-E3F7-4E4E-9B10-E6CAACC93516}"/>
-    <dgm:cxn modelId="{EB2A6A0A-1424-41CD-B6C3-D0DE637AF5A6}" srcId="{6D555C1C-494F-4713-BC11-4EA702001B18}" destId="{9047AD56-A1CD-4E66-BC63-D8271B564025}" srcOrd="0" destOrd="0" parTransId="{58B494CE-F583-4142-B5BD-717CE4607200}" sibTransId="{735F9229-9569-440F-BDC3-81613EA69DF7}"/>
-    <dgm:cxn modelId="{CD5DE8FA-D526-4495-8E32-A6A91046288C}" srcId="{874DCD6E-2E62-4EA6-9160-808383CABE3A}" destId="{55BA3AAB-2F3B-4369-B6DD-AB3D50FE3A66}" srcOrd="0" destOrd="0" parTransId="{D6FEE137-DB1D-46EB-A072-2BD57D9F96C5}" sibTransId="{78CAA6C3-7E1D-4CD0-AB89-1138ED109971}"/>
-    <dgm:cxn modelId="{DFF5706D-FFF9-45F2-A0A0-D07C5BBE4768}" type="presOf" srcId="{6D834B33-DC96-405A-B8F3-DA2626D56FDB}" destId="{B5E29B27-F7BB-44EC-B223-B3DC75A419E0}" srcOrd="0" destOrd="0" presId="urn:microsoft.com/office/officeart/2005/8/layout/chevron2"/>
     <dgm:cxn modelId="{164D43F8-F1B5-43F5-A027-D6A901FF69F8}" type="presOf" srcId="{03E9043A-9FAE-4CDF-B03D-13648DC139F4}" destId="{4B0B2CF5-7F81-4AA8-B242-69F447FAD354}" srcOrd="0" destOrd="0" presId="urn:microsoft.com/office/officeart/2005/8/layout/chevron2"/>
-    <dgm:cxn modelId="{6699B2F9-DFB3-4241-B188-BA28FDDACC04}" type="presOf" srcId="{874DCD6E-2E62-4EA6-9160-808383CABE3A}" destId="{14C29D0A-6B7B-4834-98F5-44C6CB803A03}" srcOrd="0" destOrd="0" presId="urn:microsoft.com/office/officeart/2005/8/layout/chevron2"/>
-    <dgm:cxn modelId="{733BC173-9083-4F2E-9736-97DB6D782499}" type="presOf" srcId="{9047AD56-A1CD-4E66-BC63-D8271B564025}" destId="{8A8694A4-C938-440D-8949-7C88D82A13D9}" srcOrd="0" destOrd="1" presId="urn:microsoft.com/office/officeart/2005/8/layout/chevron2"/>
-    <dgm:cxn modelId="{5D000814-5D16-4A09-AEA7-E4EFBF258632}" srcId="{1120875B-867A-45BE-BAE5-95DE12EBDF61}" destId="{6D834B33-DC96-405A-B8F3-DA2626D56FDB}" srcOrd="0" destOrd="0" parTransId="{1ABA45D2-70D4-4A4A-87AF-DCE73AE3B990}" sibTransId="{97389E0A-2889-4E43-B9F0-F88CB2CC1301}"/>
-    <dgm:cxn modelId="{8D182CA9-F7B2-4E41-826F-FBBA3D41DAA8}" srcId="{03E9043A-9FAE-4CDF-B03D-13648DC139F4}" destId="{874DCD6E-2E62-4EA6-9160-808383CABE3A}" srcOrd="0" destOrd="0" parTransId="{4DF3F061-411B-48A7-ACDE-DC19213843E3}" sibTransId="{4FD7EA6D-4AEC-4BCE-A8E2-CC3D730EE943}"/>
-    <dgm:cxn modelId="{9DD3123A-D1ED-46FE-8041-31246B5D5C68}" type="presOf" srcId="{8AF16C4B-D429-4B19-A271-1FA10E65B38E}" destId="{A0A67F82-0E16-4514-AB4B-7709D60AFDCE}" srcOrd="0" destOrd="0" presId="urn:microsoft.com/office/officeart/2005/8/layout/chevron2"/>
     <dgm:cxn modelId="{521EB4B6-A38E-4A64-A298-6140E94FC5B9}" type="presParOf" srcId="{B6D09B39-FDFB-446F-8A40-79EA63E3F3B5}" destId="{1610EF5A-5703-40FC-A4A6-50F2EDF7E508}" srcOrd="0" destOrd="0" presId="urn:microsoft.com/office/officeart/2005/8/layout/chevron2"/>
     <dgm:cxn modelId="{C9D88C71-A857-4E43-BBAB-300A23E19B47}" type="presParOf" srcId="{1610EF5A-5703-40FC-A4A6-50F2EDF7E508}" destId="{A0A67F82-0E16-4514-AB4B-7709D60AFDCE}" srcOrd="0" destOrd="0" presId="urn:microsoft.com/office/officeart/2005/8/layout/chevron2"/>
     <dgm:cxn modelId="{877A74D9-27E8-4894-9B0B-8653B00DB204}" type="presParOf" srcId="{1610EF5A-5703-40FC-A4A6-50F2EDF7E508}" destId="{8A8694A4-C938-440D-8949-7C88D82A13D9}" srcOrd="1" destOrd="0" presId="urn:microsoft.com/office/officeart/2005/8/layout/chevron2"/>
@@ -1365,14 +1365,14 @@
   <dgm:whole/>
   <dgm:extLst>
     <a:ext uri="http://schemas.microsoft.com/office/drawing/2008/diagram">
-      <dsp:dataModelExt xmlns:dsp="http://schemas.microsoft.com/office/drawing/2008/diagram" relId="rId7" minVer="http://schemas.openxmlformats.org/drawingml/2006/diagram"/>
+      <dsp:dataModelExt xmlns:dsp="http://schemas.microsoft.com/office/drawing/2008/diagram" xmlns="" relId="rId7" minVer="http://schemas.openxmlformats.org/drawingml/2006/diagram"/>
     </a:ext>
   </dgm:extLst>
 </dgm:dataModel>
 </file>
 
 <file path=ppt/diagrams/drawing1.xml><?xml version="1.0" encoding="utf-8"?>
-<dsp:drawing xmlns:dgm="http://schemas.openxmlformats.org/drawingml/2006/diagram" xmlns:dsp="http://schemas.microsoft.com/office/drawing/2008/diagram" xmlns:a="http://schemas.openxmlformats.org/drawingml/2006/main">
+<dsp:drawing xmlns:dgm="http://schemas.openxmlformats.org/drawingml/2006/diagram" xmlns:a="http://schemas.openxmlformats.org/drawingml/2006/main" xmlns:dsp="http://schemas.microsoft.com/office/drawing/2008/diagram">
   <dsp:spTree>
     <dsp:nvGrpSpPr>
       <dsp:cNvPr id="0" name=""/>
@@ -1447,9 +1447,9 @@
           <a:endParaRPr lang="fr-FR" sz="2400" kern="1200" dirty="0"/>
         </a:p>
       </dsp:txBody>
-      <dsp:txXfrm rot="-5400000">
-        <a:off x="2" y="400699"/>
-        <a:ext cx="797019" cy="341580"/>
+      <dsp:txXfrm rot="5400000">
+        <a:off x="-170789" y="172979"/>
+        <a:ext cx="1138599" cy="797019"/>
       </dsp:txXfrm>
     </dsp:sp>
     <dsp:sp modelId="{8A8694A4-C938-440D-8949-7C88D82A13D9}">
@@ -1543,9 +1543,9 @@
           <a:endParaRPr lang="fr-FR" sz="1800" kern="1200" dirty="0"/>
         </a:p>
       </dsp:txBody>
-      <dsp:txXfrm rot="-5400000">
-        <a:off x="797019" y="38317"/>
-        <a:ext cx="6253452" cy="667833"/>
+      <dsp:txXfrm rot="5400000">
+        <a:off x="3571764" y="-2772556"/>
+        <a:ext cx="740089" cy="6289580"/>
       </dsp:txXfrm>
     </dsp:sp>
     <dsp:sp modelId="{76766697-4E4B-4960-A736-4BDA8DF4C821}">
@@ -1616,9 +1616,9 @@
           <a:endParaRPr lang="fr-FR" sz="2400" kern="1200"/>
         </a:p>
       </dsp:txBody>
-      <dsp:txXfrm rot="-5400000">
-        <a:off x="2" y="1337046"/>
-        <a:ext cx="797019" cy="341580"/>
+      <dsp:txXfrm rot="5400000">
+        <a:off x="-170789" y="1109326"/>
+        <a:ext cx="1138599" cy="797019"/>
       </dsp:txXfrm>
     </dsp:sp>
     <dsp:sp modelId="{B5E29B27-F7BB-44EC-B223-B3DC75A419E0}">
@@ -1712,9 +1712,9 @@
           <a:endParaRPr lang="fr-FR" sz="1800" kern="1200" dirty="0"/>
         </a:p>
       </dsp:txBody>
-      <dsp:txXfrm rot="-5400000">
-        <a:off x="797019" y="974665"/>
-        <a:ext cx="6253452" cy="667833"/>
+      <dsp:txXfrm rot="5400000">
+        <a:off x="3571764" y="-1836208"/>
+        <a:ext cx="740089" cy="6289580"/>
       </dsp:txXfrm>
     </dsp:sp>
     <dsp:sp modelId="{4B0B2CF5-7F81-4AA8-B242-69F447FAD354}">
@@ -1785,9 +1785,9 @@
           <a:endParaRPr lang="fr-FR" sz="2400" kern="1200" dirty="0"/>
         </a:p>
       </dsp:txBody>
-      <dsp:txXfrm rot="-5400000">
-        <a:off x="2" y="2273394"/>
-        <a:ext cx="797019" cy="341580"/>
+      <dsp:txXfrm rot="5400000">
+        <a:off x="-170789" y="2045674"/>
+        <a:ext cx="1138599" cy="797019"/>
       </dsp:txXfrm>
     </dsp:sp>
     <dsp:sp modelId="{14C29D0A-6B7B-4834-98F5-44C6CB803A03}">
@@ -1881,9 +1881,9 @@
           <a:endParaRPr lang="fr-FR" sz="1800" kern="1200" dirty="0"/>
         </a:p>
       </dsp:txBody>
-      <dsp:txXfrm rot="-5400000">
-        <a:off x="797019" y="1911013"/>
-        <a:ext cx="6253452" cy="667833"/>
+      <dsp:txXfrm rot="5400000">
+        <a:off x="3571764" y="-899860"/>
+        <a:ext cx="740089" cy="6289580"/>
       </dsp:txXfrm>
     </dsp:sp>
   </dsp:spTree>
@@ -3262,7 +3262,8 @@
           <a:p>
             <a:fld id="{A2604479-CBC5-3546-8A0D-DC7D3BA30544}" type="datetimeFigureOut">
               <a:rPr lang="fr-FR" smtClean="0"/>
-              <a:t>01/12/2014</a:t>
+              <a:pPr/>
+              <a:t>06/12/2014</a:t>
             </a:fld>
             <a:endParaRPr lang="fr-FR"/>
           </a:p>
@@ -3328,6 +3329,7 @@
           <a:p>
             <a:fld id="{F34030A3-A5D3-C641-8CA3-9440A0A1CBC5}" type="slidenum">
               <a:rPr lang="fr-FR" smtClean="0"/>
+              <a:pPr/>
               <a:t>‹N°›</a:t>
             </a:fld>
             <a:endParaRPr lang="fr-FR"/>
@@ -3337,7 +3339,7 @@
     </p:spTree>
     <p:extLst>
       <p:ext uri="{BB962C8B-B14F-4D97-AF65-F5344CB8AC3E}">
-        <p14:creationId xmlns:p14="http://schemas.microsoft.com/office/powerpoint/2010/main" val="3414476341"/>
+        <p14:creationId xmlns:p14="http://schemas.microsoft.com/office/powerpoint/2010/main" xmlns="" val="3414476341"/>
       </p:ext>
     </p:extLst>
   </p:cSld>
@@ -3428,7 +3430,8 @@
           <a:p>
             <a:fld id="{7F4FFA02-BD9A-5445-8E51-E6D5A4E1DD4B}" type="datetimeFigureOut">
               <a:rPr lang="fr-FR" smtClean="0"/>
-              <a:t>01/12/2014</a:t>
+              <a:pPr/>
+              <a:t>06/12/2014</a:t>
             </a:fld>
             <a:endParaRPr lang="fr-FR"/>
           </a:p>
@@ -3587,6 +3590,7 @@
           <a:p>
             <a:fld id="{D69D4C5C-07DB-4146-8BDE-61540ADB1C9B}" type="slidenum">
               <a:rPr lang="fr-FR" smtClean="0"/>
+              <a:pPr/>
               <a:t>‹N°›</a:t>
             </a:fld>
             <a:endParaRPr lang="fr-FR"/>
@@ -3596,7 +3600,7 @@
     </p:spTree>
     <p:extLst>
       <p:ext uri="{BB962C8B-B14F-4D97-AF65-F5344CB8AC3E}">
-        <p14:creationId xmlns:p14="http://schemas.microsoft.com/office/powerpoint/2010/main" val="401334093"/>
+        <p14:creationId xmlns:p14="http://schemas.microsoft.com/office/powerpoint/2010/main" xmlns="" val="401334093"/>
       </p:ext>
     </p:extLst>
   </p:cSld>
@@ -3780,6 +3784,7 @@
           <a:p>
             <a:fld id="{D69D4C5C-07DB-4146-8BDE-61540ADB1C9B}" type="slidenum">
               <a:rPr lang="fr-FR" smtClean="0"/>
+              <a:pPr/>
               <a:t>1</a:t>
             </a:fld>
             <a:endParaRPr lang="fr-FR"/>
@@ -3789,7 +3794,7 @@
     </p:spTree>
     <p:extLst>
       <p:ext uri="{BB962C8B-B14F-4D97-AF65-F5344CB8AC3E}">
-        <p14:creationId xmlns:p14="http://schemas.microsoft.com/office/powerpoint/2010/main" val="2560094274"/>
+        <p14:creationId xmlns:p14="http://schemas.microsoft.com/office/powerpoint/2010/main" xmlns="" val="2560094274"/>
       </p:ext>
     </p:extLst>
   </p:cSld>
@@ -3845,15 +3850,11 @@
           <a:p>
             <a:r>
               <a:rPr lang="fr-FR" dirty="0" smtClean="0"/>
-              <a:t>L’</a:t>
-            </a:r>
-            <a:r>
-              <a:rPr lang="fr-FR" dirty="0" err="1" smtClean="0"/>
-              <a:t>ingéniérie</a:t>
+              <a:t>L’ingénierie Système </a:t>
             </a:r>
             <a:r>
               <a:rPr lang="fr-FR" dirty="0" smtClean="0"/>
-              <a:t> Systèmes est</a:t>
+              <a:t>est</a:t>
             </a:r>
             <a:r>
               <a:rPr lang="fr-FR" baseline="0" dirty="0" smtClean="0"/>
@@ -3908,7 +3909,23 @@
             </a:pPr>
             <a:r>
               <a:rPr lang="fr-FR" baseline="0" dirty="0" smtClean="0"/>
-              <a:t>Dans une logique de conception, les diagrammes ne sont pas rédigés les uns avec les autres mais pas couches successives et en les enrichissants au fur et à mesure. </a:t>
+              <a:t>Dans une logique de conception, les diagrammes ne sont pas rédigés les uns </a:t>
+            </a:r>
+            <a:r>
+              <a:rPr lang="fr-FR" baseline="0" dirty="0" smtClean="0"/>
+              <a:t>après </a:t>
+            </a:r>
+            <a:r>
+              <a:rPr lang="fr-FR" baseline="0" dirty="0" smtClean="0"/>
+              <a:t>les autres mais pas couches </a:t>
+            </a:r>
+            <a:r>
+              <a:rPr lang="fr-FR" baseline="0" dirty="0" smtClean="0"/>
+              <a:t>successives, et </a:t>
+            </a:r>
+            <a:r>
+              <a:rPr lang="fr-FR" baseline="0" dirty="0" smtClean="0"/>
+              <a:t>en les enrichissants au fur et à mesure. </a:t>
             </a:r>
           </a:p>
         </p:txBody>
@@ -3930,6 +3947,7 @@
           <a:p>
             <a:fld id="{D69D4C5C-07DB-4146-8BDE-61540ADB1C9B}" type="slidenum">
               <a:rPr lang="fr-FR" smtClean="0"/>
+              <a:pPr/>
               <a:t>2</a:t>
             </a:fld>
             <a:endParaRPr lang="fr-FR"/>
@@ -3939,7 +3957,7 @@
     </p:spTree>
     <p:extLst>
       <p:ext uri="{BB962C8B-B14F-4D97-AF65-F5344CB8AC3E}">
-        <p14:creationId xmlns:p14="http://schemas.microsoft.com/office/powerpoint/2010/main" val="3804525864"/>
+        <p14:creationId xmlns:p14="http://schemas.microsoft.com/office/powerpoint/2010/main" xmlns="" val="3804525864"/>
       </p:ext>
     </p:extLst>
   </p:cSld>
@@ -4044,6 +4062,7 @@
           <a:p>
             <a:fld id="{D69D4C5C-07DB-4146-8BDE-61540ADB1C9B}" type="slidenum">
               <a:rPr lang="fr-FR" smtClean="0"/>
+              <a:pPr/>
               <a:t>3</a:t>
             </a:fld>
             <a:endParaRPr lang="fr-FR"/>
@@ -4053,7 +4072,7 @@
     </p:spTree>
     <p:extLst>
       <p:ext uri="{BB962C8B-B14F-4D97-AF65-F5344CB8AC3E}">
-        <p14:creationId xmlns:p14="http://schemas.microsoft.com/office/powerpoint/2010/main" val="1028214212"/>
+        <p14:creationId xmlns:p14="http://schemas.microsoft.com/office/powerpoint/2010/main" xmlns="" val="1028214212"/>
       </p:ext>
     </p:extLst>
   </p:cSld>
@@ -4156,6 +4175,7 @@
           <a:p>
             <a:fld id="{D69D4C5C-07DB-4146-8BDE-61540ADB1C9B}" type="slidenum">
               <a:rPr lang="fr-FR" smtClean="0"/>
+              <a:pPr/>
               <a:t>4</a:t>
             </a:fld>
             <a:endParaRPr lang="fr-FR"/>
@@ -4165,7 +4185,7 @@
     </p:spTree>
     <p:extLst>
       <p:ext uri="{BB962C8B-B14F-4D97-AF65-F5344CB8AC3E}">
-        <p14:creationId xmlns:p14="http://schemas.microsoft.com/office/powerpoint/2010/main" val="1495809067"/>
+        <p14:creationId xmlns:p14="http://schemas.microsoft.com/office/powerpoint/2010/main" xmlns="" val="1495809067"/>
       </p:ext>
     </p:extLst>
   </p:cSld>
@@ -4363,7 +4383,8 @@
           <a:p>
             <a:fld id="{6709E43B-9441-6341-BD63-84DDA1A9C3FB}" type="datetime1">
               <a:rPr lang="fr-FR" smtClean="0"/>
-              <a:t>01/12/2014</a:t>
+              <a:pPr/>
+              <a:t>06/12/2014</a:t>
             </a:fld>
             <a:endParaRPr lang="fr-FR"/>
           </a:p>
@@ -4409,6 +4430,7 @@
           <a:p>
             <a:fld id="{5FD889E0-CAB2-4699-909D-B9A88D47ACBE}" type="slidenum">
               <a:rPr lang="en-US" smtClean="0"/>
+              <a:pPr/>
               <a:t>‹N°›</a:t>
             </a:fld>
             <a:endParaRPr lang="en-US"/>
@@ -4567,7 +4589,8 @@
           <a:p>
             <a:fld id="{268AA955-8B04-894F-8FDF-A5E12E980EDC}" type="datetime1">
               <a:rPr lang="fr-FR" smtClean="0"/>
-              <a:t>01/12/2014</a:t>
+              <a:pPr/>
+              <a:t>06/12/2014</a:t>
             </a:fld>
             <a:endParaRPr lang="fr-FR"/>
           </a:p>
@@ -4613,6 +4636,7 @@
           <a:p>
             <a:fld id="{9B8334CA-52B9-8B4B-AA0F-E9B48CBEA1E4}" type="slidenum">
               <a:rPr lang="fr-FR" smtClean="0"/>
+              <a:pPr/>
               <a:t>‹N°›</a:t>
             </a:fld>
             <a:endParaRPr lang="fr-FR"/>
@@ -4746,7 +4770,8 @@
           <a:p>
             <a:fld id="{FDC97532-5F56-764F-9C75-F53758D5A21E}" type="datetime1">
               <a:rPr lang="fr-FR" smtClean="0"/>
-              <a:t>01/12/2014</a:t>
+              <a:pPr/>
+              <a:t>06/12/2014</a:t>
             </a:fld>
             <a:endParaRPr lang="fr-FR"/>
           </a:p>
@@ -4792,6 +4817,7 @@
           <a:p>
             <a:fld id="{9B8334CA-52B9-8B4B-AA0F-E9B48CBEA1E4}" type="slidenum">
               <a:rPr lang="fr-FR" smtClean="0"/>
+              <a:pPr/>
               <a:t>‹N°›</a:t>
             </a:fld>
             <a:endParaRPr lang="fr-FR"/>
@@ -4941,7 +4967,8 @@
           <a:p>
             <a:fld id="{EC050341-9FD1-4D41-897E-C16A13D412D6}" type="datetime1">
               <a:rPr lang="fr-FR" smtClean="0"/>
-              <a:t>01/12/2014</a:t>
+              <a:pPr/>
+              <a:t>06/12/2014</a:t>
             </a:fld>
             <a:endParaRPr lang="fr-FR"/>
           </a:p>
@@ -4987,6 +5014,7 @@
           <a:p>
             <a:fld id="{9B8334CA-52B9-8B4B-AA0F-E9B48CBEA1E4}" type="slidenum">
               <a:rPr lang="fr-FR" smtClean="0"/>
+              <a:pPr/>
               <a:t>‹N°›</a:t>
             </a:fld>
             <a:endParaRPr lang="fr-FR"/>
@@ -5200,7 +5228,8 @@
           <a:p>
             <a:fld id="{267F1CD6-E1AD-4847-B8D2-9BC7541D26A9}" type="datetime1">
               <a:rPr lang="fr-FR" smtClean="0"/>
-              <a:t>01/12/2014</a:t>
+              <a:pPr/>
+              <a:t>06/12/2014</a:t>
             </a:fld>
             <a:endParaRPr lang="fr-FR"/>
           </a:p>
@@ -5246,6 +5275,7 @@
           <a:p>
             <a:fld id="{4A822907-8A9D-4F6B-98F6-913902AD56B5}" type="slidenum">
               <a:rPr lang="en-US" smtClean="0"/>
+              <a:pPr/>
               <a:t>‹N°›</a:t>
             </a:fld>
             <a:endParaRPr lang="en-US"/>
@@ -5522,7 +5552,8 @@
           <a:p>
             <a:fld id="{377C4889-60B5-CD4F-97E2-5B317AA429BB}" type="datetime1">
               <a:rPr lang="fr-FR" smtClean="0"/>
-              <a:t>01/12/2014</a:t>
+              <a:pPr/>
+              <a:t>06/12/2014</a:t>
             </a:fld>
             <a:endParaRPr lang="fr-FR"/>
           </a:p>
@@ -5568,6 +5599,7 @@
           <a:p>
             <a:fld id="{9B8334CA-52B9-8B4B-AA0F-E9B48CBEA1E4}" type="slidenum">
               <a:rPr lang="fr-FR" smtClean="0"/>
+              <a:pPr/>
               <a:t>‹N°›</a:t>
             </a:fld>
             <a:endParaRPr lang="fr-FR"/>
@@ -5992,7 +6024,8 @@
           <a:p>
             <a:fld id="{0FA1CA9B-4F70-864C-920B-92AD8DFE7583}" type="datetime1">
               <a:rPr lang="fr-FR" smtClean="0"/>
-              <a:t>01/12/2014</a:t>
+              <a:pPr/>
+              <a:t>06/12/2014</a:t>
             </a:fld>
             <a:endParaRPr lang="fr-FR"/>
           </a:p>
@@ -6038,6 +6071,7 @@
           <a:p>
             <a:fld id="{9B8334CA-52B9-8B4B-AA0F-E9B48CBEA1E4}" type="slidenum">
               <a:rPr lang="fr-FR" smtClean="0"/>
+              <a:pPr/>
               <a:t>‹N°›</a:t>
             </a:fld>
             <a:endParaRPr lang="fr-FR"/>
@@ -6144,7 +6178,8 @@
           <a:p>
             <a:fld id="{4F2CC383-4EE0-2241-AEE6-2AAA6580B403}" type="datetime1">
               <a:rPr lang="fr-FR" smtClean="0"/>
-              <a:t>01/12/2014</a:t>
+              <a:pPr/>
+              <a:t>06/12/2014</a:t>
             </a:fld>
             <a:endParaRPr lang="fr-FR"/>
           </a:p>
@@ -6190,6 +6225,7 @@
           <a:p>
             <a:fld id="{9B8334CA-52B9-8B4B-AA0F-E9B48CBEA1E4}" type="slidenum">
               <a:rPr lang="fr-FR" smtClean="0"/>
+              <a:pPr/>
               <a:t>‹N°›</a:t>
             </a:fld>
             <a:endParaRPr lang="fr-FR"/>
@@ -6238,7 +6274,8 @@
           <a:p>
             <a:fld id="{3F29AFFA-2E38-E240-9E76-4B3B98489A6D}" type="datetime1">
               <a:rPr lang="fr-FR" smtClean="0"/>
-              <a:t>01/12/2014</a:t>
+              <a:pPr/>
+              <a:t>06/12/2014</a:t>
             </a:fld>
             <a:endParaRPr lang="fr-FR"/>
           </a:p>
@@ -6284,6 +6321,7 @@
           <a:p>
             <a:fld id="{9B8334CA-52B9-8B4B-AA0F-E9B48CBEA1E4}" type="slidenum">
               <a:rPr lang="fr-FR" smtClean="0"/>
+              <a:pPr/>
               <a:t>‹N°›</a:t>
             </a:fld>
             <a:endParaRPr lang="fr-FR"/>
@@ -6516,7 +6554,8 @@
           <a:p>
             <a:fld id="{BC66C2F2-1133-B742-8E81-ACE648734598}" type="datetime1">
               <a:rPr lang="fr-FR" smtClean="0"/>
-              <a:t>01/12/2014</a:t>
+              <a:pPr/>
+              <a:t>06/12/2014</a:t>
             </a:fld>
             <a:endParaRPr lang="fr-FR"/>
           </a:p>
@@ -6562,6 +6601,7 @@
           <a:p>
             <a:fld id="{7F5CE407-6216-4202-80E4-A30DC2F709B2}" type="slidenum">
               <a:rPr lang="en-US" smtClean="0"/>
+              <a:pPr/>
               <a:t>‹N°›</a:t>
             </a:fld>
             <a:endParaRPr lang="en-US"/>
@@ -6825,7 +6865,8 @@
           <a:p>
             <a:fld id="{7312FBEE-7E81-E746-8617-1B9234528FDD}" type="datetime1">
               <a:rPr lang="fr-FR" smtClean="0"/>
-              <a:t>01/12/2014</a:t>
+              <a:pPr/>
+              <a:t>06/12/2014</a:t>
             </a:fld>
             <a:endParaRPr lang="fr-FR"/>
           </a:p>
@@ -6871,6 +6912,7 @@
           <a:p>
             <a:fld id="{9B8334CA-52B9-8B4B-AA0F-E9B48CBEA1E4}" type="slidenum">
               <a:rPr lang="fr-FR" smtClean="0"/>
+              <a:pPr/>
               <a:t>‹N°›</a:t>
             </a:fld>
             <a:endParaRPr lang="fr-FR"/>
@@ -7127,7 +7169,8 @@
           <a:p>
             <a:fld id="{B90A4B7D-106F-C147-BCBF-57A394B22041}" type="datetime1">
               <a:rPr lang="fr-FR" smtClean="0"/>
-              <a:t>01/12/2014</a:t>
+              <a:pPr/>
+              <a:t>06/12/2014</a:t>
             </a:fld>
             <a:endParaRPr lang="fr-FR"/>
           </a:p>
@@ -7205,6 +7248,7 @@
           <a:p>
             <a:fld id="{9B8334CA-52B9-8B4B-AA0F-E9B48CBEA1E4}" type="slidenum">
               <a:rPr lang="fr-FR" smtClean="0"/>
+              <a:pPr/>
               <a:t>‹N°›</a:t>
             </a:fld>
             <a:endParaRPr lang="fr-FR"/>
@@ -7554,8 +7598,24 @@
           <a:lstStyle/>
           <a:p>
             <a:r>
+              <a:rPr lang="fr-FR" sz="4000" dirty="0" err="1" smtClean="0"/>
+              <a:t>S</a:t>
+            </a:r>
+            <a:r>
+              <a:rPr lang="fr-FR" sz="2800" dirty="0" err="1" smtClean="0"/>
+              <a:t>ys</a:t>
+            </a:r>
+            <a:r>
+              <a:rPr lang="fr-FR" sz="4000" dirty="0" err="1" smtClean="0"/>
+              <a:t>ML</a:t>
+            </a:r>
+            <a:r>
               <a:rPr lang="fr-FR" sz="4000" dirty="0" smtClean="0"/>
-              <a:t>SysML Niveau 3</a:t>
+              <a:t> </a:t>
+            </a:r>
+            <a:r>
+              <a:rPr lang="fr-FR" sz="4000" dirty="0" smtClean="0"/>
+              <a:t>Niveau 3</a:t>
             </a:r>
             <a:br>
               <a:rPr lang="fr-FR" sz="4000" dirty="0" smtClean="0"/>
@@ -7622,8 +7682,9 @@
           <a:p>
             <a:r>
               <a:rPr lang="fr-FR" dirty="0" smtClean="0"/>
-              <a:t>Exemples supplémentaires</a:t>
-            </a:r>
+              <a:t>Exemples</a:t>
+            </a:r>
+            <a:endParaRPr lang="fr-FR" dirty="0" smtClean="0"/>
           </a:p>
           <a:p>
             <a:endParaRPr lang="fr-FR" dirty="0" smtClean="0"/>
@@ -7659,19 +7720,19 @@
     </p:spTree>
     <p:extLst>
       <p:ext uri="{BB962C8B-B14F-4D97-AF65-F5344CB8AC3E}">
-        <p14:creationId xmlns:p14="http://schemas.microsoft.com/office/powerpoint/2010/main" val="3037635492"/>
+        <p14:creationId xmlns:p14="http://schemas.microsoft.com/office/powerpoint/2010/main" xmlns="" val="3037635492"/>
       </p:ext>
     </p:extLst>
   </p:cSld>
   <p:clrMapOvr>
     <a:masterClrMapping/>
   </p:clrMapOvr>
-  <mc:AlternateContent xmlns:mc="http://schemas.openxmlformats.org/markup-compatibility/2006" xmlns:p14="http://schemas.microsoft.com/office/powerpoint/2010/main">
-    <mc:Choice Requires="p14">
+  <mc:AlternateContent xmlns:mc="http://schemas.openxmlformats.org/markup-compatibility/2006">
+    <mc:Choice xmlns:p14="http://schemas.microsoft.com/office/powerpoint/2010/main" xmlns="" Requires="p14">
       <p:transition spd="slow" p14:dur="2000"/>
     </mc:Choice>
-    <mc:Fallback xmlns="">
-      <p:transition xmlns:p14="http://schemas.microsoft.com/office/powerpoint/2010/main" spd="slow"/>
+    <mc:Fallback>
+      <p:transition spd="slow"/>
     </mc:Fallback>
   </mc:AlternateContent>
   <p:timing>
@@ -7882,7 +7943,7 @@
           <p:nvPr>
             <p:extLst>
               <p:ext uri="{D42A27DB-BD31-4B8C-83A1-F6EECF244321}">
-                <p14:modId xmlns:p14="http://schemas.microsoft.com/office/powerpoint/2010/main" val="1822343415"/>
+                <p14:modId xmlns:p14="http://schemas.microsoft.com/office/powerpoint/2010/main" xmlns="" val="1822343415"/>
               </p:ext>
             </p:extLst>
           </p:nvPr>
@@ -7946,19 +8007,19 @@
     </p:spTree>
     <p:extLst>
       <p:ext uri="{BB962C8B-B14F-4D97-AF65-F5344CB8AC3E}">
-        <p14:creationId xmlns:p14="http://schemas.microsoft.com/office/powerpoint/2010/main" val="479222456"/>
+        <p14:creationId xmlns:p14="http://schemas.microsoft.com/office/powerpoint/2010/main" xmlns="" val="479222456"/>
       </p:ext>
     </p:extLst>
   </p:cSld>
   <p:clrMapOvr>
     <a:masterClrMapping/>
   </p:clrMapOvr>
-  <mc:AlternateContent xmlns:mc="http://schemas.openxmlformats.org/markup-compatibility/2006" xmlns:p14="http://schemas.microsoft.com/office/powerpoint/2010/main">
-    <mc:Choice Requires="p14">
+  <mc:AlternateContent xmlns:mc="http://schemas.openxmlformats.org/markup-compatibility/2006">
+    <mc:Choice xmlns:p14="http://schemas.microsoft.com/office/powerpoint/2010/main" xmlns="" Requires="p14">
       <p:transition spd="slow" p14:dur="2000"/>
     </mc:Choice>
-    <mc:Fallback xmlns="">
-      <p:transition xmlns:p14="http://schemas.microsoft.com/office/powerpoint/2010/main" spd="slow"/>
+    <mc:Fallback>
+      <p:transition spd="slow"/>
     </mc:Fallback>
   </mc:AlternateContent>
   <p:timing>
@@ -8046,7 +8107,7 @@
           <a:blip r:embed="rId3">
             <a:extLst>
               <a:ext uri="{28A0092B-C50C-407E-A947-70E740481C1C}">
-                <a14:useLocalDpi xmlns:a14="http://schemas.microsoft.com/office/drawing/2010/main" val="0"/>
+                <a14:useLocalDpi xmlns:a14="http://schemas.microsoft.com/office/drawing/2010/main" xmlns="" val="0"/>
               </a:ext>
             </a:extLst>
           </a:blip>
@@ -8070,14 +8131,14 @@
           <a:effectLst/>
           <a:extLst>
             <a:ext uri="{909E8E84-426E-40DD-AFC4-6F175D3DCCD1}">
-              <a14:hiddenFill xmlns:a14="http://schemas.microsoft.com/office/drawing/2010/main">
+              <a14:hiddenFill xmlns:a14="http://schemas.microsoft.com/office/drawing/2010/main" xmlns="">
                 <a:solidFill>
                   <a:schemeClr val="accent1"/>
                 </a:solidFill>
               </a14:hiddenFill>
             </a:ext>
             <a:ext uri="{91240B29-F687-4F45-9708-019B960494DF}">
-              <a14:hiddenLine xmlns:a14="http://schemas.microsoft.com/office/drawing/2010/main" w="9525">
+              <a14:hiddenLine xmlns:a14="http://schemas.microsoft.com/office/drawing/2010/main" xmlns="" w="9525">
                 <a:solidFill>
                   <a:schemeClr val="tx1"/>
                 </a:solidFill>
@@ -8087,7 +8148,7 @@
               </a14:hiddenLine>
             </a:ext>
             <a:ext uri="{AF507438-7753-43E0-B8FC-AC1667EBCBE1}">
-              <a14:hiddenEffects xmlns:a14="http://schemas.microsoft.com/office/drawing/2010/main">
+              <a14:hiddenEffects xmlns:a14="http://schemas.microsoft.com/office/drawing/2010/main" xmlns="">
                 <a:effectLst>
                   <a:outerShdw dist="35921" dir="2700000" algn="ctr" rotWithShape="0">
                     <a:schemeClr val="bg2"/>
@@ -8112,7 +8173,7 @@
           <a:blip r:embed="rId4">
             <a:extLst>
               <a:ext uri="{28A0092B-C50C-407E-A947-70E740481C1C}">
-                <a14:useLocalDpi xmlns:a14="http://schemas.microsoft.com/office/drawing/2010/main" val="0"/>
+                <a14:useLocalDpi xmlns:a14="http://schemas.microsoft.com/office/drawing/2010/main" xmlns="" val="0"/>
               </a:ext>
             </a:extLst>
           </a:blip>
@@ -8136,14 +8197,14 @@
           <a:effectLst/>
           <a:extLst>
             <a:ext uri="{909E8E84-426E-40DD-AFC4-6F175D3DCCD1}">
-              <a14:hiddenFill xmlns:a14="http://schemas.microsoft.com/office/drawing/2010/main">
+              <a14:hiddenFill xmlns:a14="http://schemas.microsoft.com/office/drawing/2010/main" xmlns="">
                 <a:solidFill>
                   <a:schemeClr val="accent1"/>
                 </a:solidFill>
               </a14:hiddenFill>
             </a:ext>
             <a:ext uri="{91240B29-F687-4F45-9708-019B960494DF}">
-              <a14:hiddenLine xmlns:a14="http://schemas.microsoft.com/office/drawing/2010/main" w="9525">
+              <a14:hiddenLine xmlns:a14="http://schemas.microsoft.com/office/drawing/2010/main" xmlns="" w="9525">
                 <a:solidFill>
                   <a:schemeClr val="tx1"/>
                 </a:solidFill>
@@ -8153,7 +8214,7 @@
               </a14:hiddenLine>
             </a:ext>
             <a:ext uri="{AF507438-7753-43E0-B8FC-AC1667EBCBE1}">
-              <a14:hiddenEffects xmlns:a14="http://schemas.microsoft.com/office/drawing/2010/main">
+              <a14:hiddenEffects xmlns:a14="http://schemas.microsoft.com/office/drawing/2010/main" xmlns="">
                 <a:effectLst>
                   <a:outerShdw dist="35921" dir="2700000" algn="ctr" rotWithShape="0">
                     <a:schemeClr val="bg2"/>
@@ -8176,7 +8237,7 @@
           <a:blip r:embed="rId5">
             <a:extLst>
               <a:ext uri="{28A0092B-C50C-407E-A947-70E740481C1C}">
-                <a14:useLocalDpi xmlns:a14="http://schemas.microsoft.com/office/drawing/2010/main" val="0"/>
+                <a14:useLocalDpi xmlns:a14="http://schemas.microsoft.com/office/drawing/2010/main" xmlns="" val="0"/>
               </a:ext>
             </a:extLst>
           </a:blip>
@@ -8200,14 +8261,14 @@
           <a:effectLst/>
           <a:extLst>
             <a:ext uri="{909E8E84-426E-40DD-AFC4-6F175D3DCCD1}">
-              <a14:hiddenFill xmlns:a14="http://schemas.microsoft.com/office/drawing/2010/main">
+              <a14:hiddenFill xmlns:a14="http://schemas.microsoft.com/office/drawing/2010/main" xmlns="">
                 <a:solidFill>
                   <a:schemeClr val="accent1"/>
                 </a:solidFill>
               </a14:hiddenFill>
             </a:ext>
             <a:ext uri="{91240B29-F687-4F45-9708-019B960494DF}">
-              <a14:hiddenLine xmlns:a14="http://schemas.microsoft.com/office/drawing/2010/main" w="9525">
+              <a14:hiddenLine xmlns:a14="http://schemas.microsoft.com/office/drawing/2010/main" xmlns="" w="9525">
                 <a:solidFill>
                   <a:schemeClr val="tx1"/>
                 </a:solidFill>
@@ -8217,7 +8278,7 @@
               </a14:hiddenLine>
             </a:ext>
             <a:ext uri="{AF507438-7753-43E0-B8FC-AC1667EBCBE1}">
-              <a14:hiddenEffects xmlns:a14="http://schemas.microsoft.com/office/drawing/2010/main">
+              <a14:hiddenEffects xmlns:a14="http://schemas.microsoft.com/office/drawing/2010/main" xmlns="">
                 <a:effectLst>
                   <a:outerShdw dist="35921" dir="2700000" algn="ctr" rotWithShape="0">
                     <a:schemeClr val="bg2"/>
@@ -8312,13 +8373,20 @@
     </p:spTree>
     <p:extLst>
       <p:ext uri="{BB962C8B-B14F-4D97-AF65-F5344CB8AC3E}">
-        <p14:creationId xmlns:p14="http://schemas.microsoft.com/office/powerpoint/2010/main" val="2718835750"/>
+        <p14:creationId xmlns:p14="http://schemas.microsoft.com/office/powerpoint/2010/main" xmlns="" val="2718835750"/>
       </p:ext>
     </p:extLst>
   </p:cSld>
   <p:clrMapOvr>
     <a:masterClrMapping/>
   </p:clrMapOvr>
+  <p:timing>
+    <p:tnLst>
+      <p:par>
+        <p:cTn id="1" dur="indefinite" restart="never" nodeType="tmRoot"/>
+      </p:par>
+    </p:tnLst>
+  </p:timing>
 </p:sld>
 </file>
 
@@ -8465,7 +8533,7 @@
           <a:blip r:embed="rId3">
             <a:extLst>
               <a:ext uri="{28A0092B-C50C-407E-A947-70E740481C1C}">
-                <a14:useLocalDpi xmlns:a14="http://schemas.microsoft.com/office/drawing/2010/main" val="0"/>
+                <a14:useLocalDpi xmlns:a14="http://schemas.microsoft.com/office/drawing/2010/main" xmlns="" val="0"/>
               </a:ext>
             </a:extLst>
           </a:blip>
@@ -8489,14 +8557,14 @@
           <a:effectLst/>
           <a:extLst>
             <a:ext uri="{909E8E84-426E-40DD-AFC4-6F175D3DCCD1}">
-              <a14:hiddenFill xmlns:a14="http://schemas.microsoft.com/office/drawing/2010/main">
+              <a14:hiddenFill xmlns:a14="http://schemas.microsoft.com/office/drawing/2010/main" xmlns="">
                 <a:solidFill>
                   <a:schemeClr val="accent1"/>
                 </a:solidFill>
               </a14:hiddenFill>
             </a:ext>
             <a:ext uri="{91240B29-F687-4F45-9708-019B960494DF}">
-              <a14:hiddenLine xmlns:a14="http://schemas.microsoft.com/office/drawing/2010/main" w="9525">
+              <a14:hiddenLine xmlns:a14="http://schemas.microsoft.com/office/drawing/2010/main" xmlns="" w="9525">
                 <a:solidFill>
                   <a:schemeClr val="tx1"/>
                 </a:solidFill>
@@ -8506,7 +8574,7 @@
               </a14:hiddenLine>
             </a:ext>
             <a:ext uri="{AF507438-7753-43E0-B8FC-AC1667EBCBE1}">
-              <a14:hiddenEffects xmlns:a14="http://schemas.microsoft.com/office/drawing/2010/main">
+              <a14:hiddenEffects xmlns:a14="http://schemas.microsoft.com/office/drawing/2010/main" xmlns="">
                 <a:effectLst>
                   <a:outerShdw dist="35921" dir="2700000" algn="ctr" rotWithShape="0">
                     <a:schemeClr val="bg2"/>
@@ -8740,7 +8808,7 @@
     </p:spTree>
     <p:extLst>
       <p:ext uri="{BB962C8B-B14F-4D97-AF65-F5344CB8AC3E}">
-        <p14:creationId xmlns:p14="http://schemas.microsoft.com/office/powerpoint/2010/main" val="2248875390"/>
+        <p14:creationId xmlns:p14="http://schemas.microsoft.com/office/powerpoint/2010/main" xmlns="" val="2248875390"/>
       </p:ext>
     </p:extLst>
   </p:cSld>
